--- a/Agile Estimation Paper AgileCamp Ny 2019.pptx
+++ b/Agile Estimation Paper AgileCamp Ny 2019.pptx
@@ -212,7 +212,7 @@
           <a:p>
             <a:fld id="{703FCFD6-0401-43C5-B18D-781307A7DAE7}" type="datetimeFigureOut">
               <a:rPr lang="en-US" smtClean="0"/>
-              <a:t>9/27/19</a:t>
+              <a:t>10/4/19</a:t>
             </a:fld>
             <a:endParaRPr lang="en-US"/>
           </a:p>
@@ -546,6 +546,110 @@
 </file>
 
 <file path=ppt/notesSlides/notesSlide10.xml><?xml version="1.0" encoding="utf-8"?>
+<p:notes xmlns:a="http://schemas.openxmlformats.org/drawingml/2006/main" xmlns:r="http://schemas.openxmlformats.org/officeDocument/2006/relationships" xmlns:p="http://schemas.openxmlformats.org/presentationml/2006/main">
+  <p:cSld>
+    <p:spTree>
+      <p:nvGrpSpPr>
+        <p:cNvPr id="1" name=""/>
+        <p:cNvGrpSpPr/>
+        <p:nvPr/>
+      </p:nvGrpSpPr>
+      <p:grpSpPr>
+        <a:xfrm>
+          <a:off x="0" y="0"/>
+          <a:ext cx="0" cy="0"/>
+          <a:chOff x="0" y="0"/>
+          <a:chExt cx="0" cy="0"/>
+        </a:xfrm>
+      </p:grpSpPr>
+      <p:sp>
+        <p:nvSpPr>
+          <p:cNvPr id="2" name="Slide Image Placeholder 1"/>
+          <p:cNvSpPr>
+            <a:spLocks noGrp="1" noRot="1" noChangeAspect="1"/>
+          </p:cNvSpPr>
+          <p:nvPr>
+            <p:ph type="sldImg"/>
+          </p:nvPr>
+        </p:nvSpPr>
+        <p:spPr/>
+      </p:sp>
+      <p:sp>
+        <p:nvSpPr>
+          <p:cNvPr id="3" name="Notes Placeholder 2"/>
+          <p:cNvSpPr>
+            <a:spLocks noGrp="1"/>
+          </p:cNvSpPr>
+          <p:nvPr>
+            <p:ph type="body" idx="1"/>
+          </p:nvPr>
+        </p:nvSpPr>
+        <p:spPr/>
+        <p:txBody>
+          <a:bodyPr/>
+          <a:lstStyle/>
+          <a:p>
+            <a:r>
+              <a:rPr lang="en-US" dirty="0"/>
+              <a:t>Many teams find that estimation provides a useful forcing function to get team members to talk to each other. Estimation meetings or PBRs, can help get better understanding of various ways to implement upcoming stories, future architectural directions, and design problems in the code base.</a:t>
+            </a:r>
+          </a:p>
+          <a:p>
+            <a:endParaRPr lang="en-US" dirty="0"/>
+          </a:p>
+          <a:p>
+            <a:r>
+              <a:rPr lang="en-US" dirty="0"/>
+              <a:t>About the “stop doing” side effect, the rational is that part of the decisions to do an estimation is to predict when some item or feature will be done. So, when the teams mature on the estimating skills, usually is result on better and size standardized stories, which might drive to on spot estimation just for some specific decision driven by this info, and not predictability or </a:t>
+            </a:r>
+            <a:r>
+              <a:rPr lang="en-US" dirty="0" err="1"/>
+              <a:t>previsibility</a:t>
+            </a:r>
+            <a:r>
+              <a:rPr lang="en-US" dirty="0"/>
+              <a:t> of delivery.</a:t>
+            </a:r>
+          </a:p>
+        </p:txBody>
+      </p:sp>
+      <p:sp>
+        <p:nvSpPr>
+          <p:cNvPr id="4" name="Slide Number Placeholder 3"/>
+          <p:cNvSpPr>
+            <a:spLocks noGrp="1"/>
+          </p:cNvSpPr>
+          <p:nvPr>
+            <p:ph type="sldNum" sz="quarter" idx="5"/>
+          </p:nvPr>
+        </p:nvSpPr>
+        <p:spPr/>
+        <p:txBody>
+          <a:bodyPr/>
+          <a:lstStyle/>
+          <a:p>
+            <a:fld id="{AAFEE2B6-961E-4B89-9AD2-30FAB594CE91}" type="slidenum">
+              <a:rPr lang="en-US" smtClean="0"/>
+              <a:t>13</a:t>
+            </a:fld>
+            <a:endParaRPr lang="en-US"/>
+          </a:p>
+        </p:txBody>
+      </p:sp>
+    </p:spTree>
+    <p:extLst>
+      <p:ext uri="{BB962C8B-B14F-4D97-AF65-F5344CB8AC3E}">
+        <p14:creationId xmlns:p14="http://schemas.microsoft.com/office/powerpoint/2010/main" val="2036861710"/>
+      </p:ext>
+    </p:extLst>
+  </p:cSld>
+  <p:clrMapOvr>
+    <a:masterClrMapping/>
+  </p:clrMapOvr>
+</p:notes>
+</file>
+
+<file path=ppt/notesSlides/notesSlide11.xml><?xml version="1.0" encoding="utf-8"?>
 <p:notes xmlns:a="http://schemas.openxmlformats.org/drawingml/2006/main" xmlns:r="http://schemas.openxmlformats.org/officeDocument/2006/relationships" xmlns:p="http://schemas.openxmlformats.org/presentationml/2006/main">
   <p:cSld>
     <p:spTree>
@@ -1110,6 +1214,190 @@
           <a:bodyPr/>
           <a:lstStyle/>
           <a:p>
+            <a:pPr marL="0" marR="0" lvl="0" indent="0" algn="l" defTabSz="914400" rtl="0" eaLnBrk="1" fontAlgn="auto" latinLnBrk="0" hangingPunct="1">
+              <a:lnSpc>
+                <a:spcPct val="100000"/>
+              </a:lnSpc>
+              <a:spcBef>
+                <a:spcPts val="0"/>
+              </a:spcBef>
+              <a:spcAft>
+                <a:spcPts val="0"/>
+              </a:spcAft>
+              <a:buClrTx/>
+              <a:buSzTx/>
+              <a:buFontTx/>
+              <a:buNone/>
+              <a:tabLst/>
+              <a:defRPr/>
+            </a:pPr>
+            <a:r>
+              <a:rPr lang="en-US" sz="1200" dirty="0">
+                <a:solidFill>
+                  <a:schemeClr val="tx2">
+                    <a:lumMod val="50000"/>
+                  </a:schemeClr>
+                </a:solidFill>
+                <a:latin typeface="Arial" panose="020B0604020202020204" pitchFamily="34" charset="0"/>
+                <a:cs typeface="Arial" panose="020B0604020202020204" pitchFamily="34" charset="0"/>
+              </a:rPr>
+              <a:t>Estimation is hard. For software developers, its among the </a:t>
+            </a:r>
+            <a:r>
+              <a:rPr lang="en-US" sz="1200" b="1" dirty="0">
+                <a:solidFill>
+                  <a:schemeClr val="tx2">
+                    <a:lumMod val="50000"/>
+                  </a:schemeClr>
+                </a:solidFill>
+                <a:latin typeface="Arial" panose="020B0604020202020204" pitchFamily="34" charset="0"/>
+                <a:cs typeface="Arial" panose="020B0604020202020204" pitchFamily="34" charset="0"/>
+              </a:rPr>
+              <a:t>most difficult – if not the most difficult – aspects of the job. </a:t>
+            </a:r>
+            <a:r>
+              <a:rPr lang="en-US" sz="1200" dirty="0">
+                <a:solidFill>
+                  <a:schemeClr val="tx2">
+                    <a:lumMod val="50000"/>
+                  </a:schemeClr>
+                </a:solidFill>
+                <a:latin typeface="Arial" panose="020B0604020202020204" pitchFamily="34" charset="0"/>
+                <a:cs typeface="Arial" panose="020B0604020202020204" pitchFamily="34" charset="0"/>
+              </a:rPr>
+              <a:t>It must take into account a </a:t>
+            </a:r>
+            <a:r>
+              <a:rPr lang="en-US" sz="1200" b="1" dirty="0">
+                <a:solidFill>
+                  <a:schemeClr val="tx2">
+                    <a:lumMod val="50000"/>
+                  </a:schemeClr>
+                </a:solidFill>
+                <a:latin typeface="Arial" panose="020B0604020202020204" pitchFamily="34" charset="0"/>
+                <a:cs typeface="Arial" panose="020B0604020202020204" pitchFamily="34" charset="0"/>
+              </a:rPr>
+              <a:t>slew of factors that help product owners make decisions </a:t>
+            </a:r>
+            <a:r>
+              <a:rPr lang="en-US" sz="1200" dirty="0">
+                <a:solidFill>
+                  <a:schemeClr val="tx2">
+                    <a:lumMod val="50000"/>
+                  </a:schemeClr>
+                </a:solidFill>
+                <a:latin typeface="Arial" panose="020B0604020202020204" pitchFamily="34" charset="0"/>
+                <a:cs typeface="Arial" panose="020B0604020202020204" pitchFamily="34" charset="0"/>
+              </a:rPr>
+              <a:t>that affect the entire team – and the business. With all that at stake, it’s no wonder everyone from developers to upper management is prone to getting their undies in a bunch about it. But that’s a mistake. </a:t>
+            </a:r>
+            <a:r>
+              <a:rPr lang="en-US" sz="1200" b="1" dirty="0">
+                <a:solidFill>
+                  <a:schemeClr val="tx2">
+                    <a:lumMod val="50000"/>
+                  </a:schemeClr>
+                </a:solidFill>
+                <a:latin typeface="Arial" panose="020B0604020202020204" pitchFamily="34" charset="0"/>
+                <a:cs typeface="Arial" panose="020B0604020202020204" pitchFamily="34" charset="0"/>
+              </a:rPr>
+              <a:t>Agile estimation is just that: an estimate. Not a blood-oath</a:t>
+            </a:r>
+            <a:endParaRPr lang="en-US" sz="1200" dirty="0">
+              <a:solidFill>
+                <a:schemeClr val="tx2">
+                  <a:lumMod val="50000"/>
+                </a:schemeClr>
+              </a:solidFill>
+              <a:latin typeface="Arial" panose="020B0604020202020204" pitchFamily="34" charset="0"/>
+              <a:cs typeface="Arial" panose="020B0604020202020204" pitchFamily="34" charset="0"/>
+            </a:endParaRPr>
+          </a:p>
+          <a:p>
+            <a:endParaRPr lang="en-US" dirty="0"/>
+          </a:p>
+        </p:txBody>
+      </p:sp>
+      <p:sp>
+        <p:nvSpPr>
+          <p:cNvPr id="4" name="Slide Number Placeholder 3"/>
+          <p:cNvSpPr>
+            <a:spLocks noGrp="1"/>
+          </p:cNvSpPr>
+          <p:nvPr>
+            <p:ph type="sldNum" sz="quarter" idx="5"/>
+          </p:nvPr>
+        </p:nvSpPr>
+        <p:spPr/>
+        <p:txBody>
+          <a:bodyPr/>
+          <a:lstStyle/>
+          <a:p>
+            <a:fld id="{AAFEE2B6-961E-4B89-9AD2-30FAB594CE91}" type="slidenum">
+              <a:rPr lang="en-US" smtClean="0"/>
+              <a:t>7</a:t>
+            </a:fld>
+            <a:endParaRPr lang="en-US"/>
+          </a:p>
+        </p:txBody>
+      </p:sp>
+    </p:spTree>
+    <p:extLst>
+      <p:ext uri="{BB962C8B-B14F-4D97-AF65-F5344CB8AC3E}">
+        <p14:creationId xmlns:p14="http://schemas.microsoft.com/office/powerpoint/2010/main" val="3678601843"/>
+      </p:ext>
+    </p:extLst>
+  </p:cSld>
+  <p:clrMapOvr>
+    <a:masterClrMapping/>
+  </p:clrMapOvr>
+</p:notes>
+</file>
+
+<file path=ppt/notesSlides/notesSlide6.xml><?xml version="1.0" encoding="utf-8"?>
+<p:notes xmlns:a="http://schemas.openxmlformats.org/drawingml/2006/main" xmlns:r="http://schemas.openxmlformats.org/officeDocument/2006/relationships" xmlns:p="http://schemas.openxmlformats.org/presentationml/2006/main">
+  <p:cSld>
+    <p:spTree>
+      <p:nvGrpSpPr>
+        <p:cNvPr id="1" name=""/>
+        <p:cNvGrpSpPr/>
+        <p:nvPr/>
+      </p:nvGrpSpPr>
+      <p:grpSpPr>
+        <a:xfrm>
+          <a:off x="0" y="0"/>
+          <a:ext cx="0" cy="0"/>
+          <a:chOff x="0" y="0"/>
+          <a:chExt cx="0" cy="0"/>
+        </a:xfrm>
+      </p:grpSpPr>
+      <p:sp>
+        <p:nvSpPr>
+          <p:cNvPr id="2" name="Slide Image Placeholder 1"/>
+          <p:cNvSpPr>
+            <a:spLocks noGrp="1" noRot="1" noChangeAspect="1"/>
+          </p:cNvSpPr>
+          <p:nvPr>
+            <p:ph type="sldImg"/>
+          </p:nvPr>
+        </p:nvSpPr>
+        <p:spPr/>
+      </p:sp>
+      <p:sp>
+        <p:nvSpPr>
+          <p:cNvPr id="3" name="Notes Placeholder 2"/>
+          <p:cNvSpPr>
+            <a:spLocks noGrp="1"/>
+          </p:cNvSpPr>
+          <p:nvPr>
+            <p:ph type="body" idx="1"/>
+          </p:nvPr>
+        </p:nvSpPr>
+        <p:spPr/>
+        <p:txBody>
+          <a:bodyPr/>
+          <a:lstStyle/>
+          <a:p>
             <a:endParaRPr lang="en-US" dirty="0"/>
           </a:p>
         </p:txBody>
@@ -1150,7 +1438,7 @@
 </p:notes>
 </file>
 
-<file path=ppt/notesSlides/notesSlide6.xml><?xml version="1.0" encoding="utf-8"?>
+<file path=ppt/notesSlides/notesSlide7.xml><?xml version="1.0" encoding="utf-8"?>
 <p:notes xmlns:a="http://schemas.openxmlformats.org/drawingml/2006/main" xmlns:r="http://schemas.openxmlformats.org/officeDocument/2006/relationships" xmlns:p="http://schemas.openxmlformats.org/presentationml/2006/main">
   <p:cSld>
     <p:spTree>
@@ -1426,7 +1714,7 @@
 </p:notes>
 </file>
 
-<file path=ppt/notesSlides/notesSlide7.xml><?xml version="1.0" encoding="utf-8"?>
+<file path=ppt/notesSlides/notesSlide8.xml><?xml version="1.0" encoding="utf-8"?>
 <p:notes xmlns:a="http://schemas.openxmlformats.org/drawingml/2006/main" xmlns:r="http://schemas.openxmlformats.org/officeDocument/2006/relationships" xmlns:p="http://schemas.openxmlformats.org/presentationml/2006/main">
   <p:cSld>
     <p:spTree>
@@ -1829,7 +2117,7 @@
 </p:notes>
 </file>
 
-<file path=ppt/notesSlides/notesSlide8.xml><?xml version="1.0" encoding="utf-8"?>
+<file path=ppt/notesSlides/notesSlide9.xml><?xml version="1.0" encoding="utf-8"?>
 <p:notes xmlns:a="http://schemas.openxmlformats.org/drawingml/2006/main" xmlns:r="http://schemas.openxmlformats.org/officeDocument/2006/relationships" xmlns:p="http://schemas.openxmlformats.org/presentationml/2006/main">
   <p:cSld>
     <p:spTree>
@@ -1925,110 +2213,6 @@
     <p:extLst>
       <p:ext uri="{BB962C8B-B14F-4D97-AF65-F5344CB8AC3E}">
         <p14:creationId xmlns:p14="http://schemas.microsoft.com/office/powerpoint/2010/main" val="1939380653"/>
-      </p:ext>
-    </p:extLst>
-  </p:cSld>
-  <p:clrMapOvr>
-    <a:masterClrMapping/>
-  </p:clrMapOvr>
-</p:notes>
-</file>
-
-<file path=ppt/notesSlides/notesSlide9.xml><?xml version="1.0" encoding="utf-8"?>
-<p:notes xmlns:a="http://schemas.openxmlformats.org/drawingml/2006/main" xmlns:r="http://schemas.openxmlformats.org/officeDocument/2006/relationships" xmlns:p="http://schemas.openxmlformats.org/presentationml/2006/main">
-  <p:cSld>
-    <p:spTree>
-      <p:nvGrpSpPr>
-        <p:cNvPr id="1" name=""/>
-        <p:cNvGrpSpPr/>
-        <p:nvPr/>
-      </p:nvGrpSpPr>
-      <p:grpSpPr>
-        <a:xfrm>
-          <a:off x="0" y="0"/>
-          <a:ext cx="0" cy="0"/>
-          <a:chOff x="0" y="0"/>
-          <a:chExt cx="0" cy="0"/>
-        </a:xfrm>
-      </p:grpSpPr>
-      <p:sp>
-        <p:nvSpPr>
-          <p:cNvPr id="2" name="Slide Image Placeholder 1"/>
-          <p:cNvSpPr>
-            <a:spLocks noGrp="1" noRot="1" noChangeAspect="1"/>
-          </p:cNvSpPr>
-          <p:nvPr>
-            <p:ph type="sldImg"/>
-          </p:nvPr>
-        </p:nvSpPr>
-        <p:spPr/>
-      </p:sp>
-      <p:sp>
-        <p:nvSpPr>
-          <p:cNvPr id="3" name="Notes Placeholder 2"/>
-          <p:cNvSpPr>
-            <a:spLocks noGrp="1"/>
-          </p:cNvSpPr>
-          <p:nvPr>
-            <p:ph type="body" idx="1"/>
-          </p:nvPr>
-        </p:nvSpPr>
-        <p:spPr/>
-        <p:txBody>
-          <a:bodyPr/>
-          <a:lstStyle/>
-          <a:p>
-            <a:r>
-              <a:rPr lang="en-US" dirty="0"/>
-              <a:t>Many teams find that estimation provides a useful forcing function to get team members to talk to each other. Estimation meetings or PBRs, can help get better understanding of various ways to implement upcoming stories, future architectural directions, and design problems in the code base.</a:t>
-            </a:r>
-          </a:p>
-          <a:p>
-            <a:endParaRPr lang="en-US" dirty="0"/>
-          </a:p>
-          <a:p>
-            <a:r>
-              <a:rPr lang="en-US" dirty="0"/>
-              <a:t>About the “stop doing” side effect, the rational is that part of the decisions to do an estimation is to predict when some item or feature will be done. So, when the teams mature on the estimating skills, usually is result on better and size standardized stories, which might drive to on spot estimation just for some specific decision driven by this info, and not predictability or </a:t>
-            </a:r>
-            <a:r>
-              <a:rPr lang="en-US" dirty="0" err="1"/>
-              <a:t>previsibility</a:t>
-            </a:r>
-            <a:r>
-              <a:rPr lang="en-US" dirty="0"/>
-              <a:t> of delivery.</a:t>
-            </a:r>
-          </a:p>
-        </p:txBody>
-      </p:sp>
-      <p:sp>
-        <p:nvSpPr>
-          <p:cNvPr id="4" name="Slide Number Placeholder 3"/>
-          <p:cNvSpPr>
-            <a:spLocks noGrp="1"/>
-          </p:cNvSpPr>
-          <p:nvPr>
-            <p:ph type="sldNum" sz="quarter" idx="5"/>
-          </p:nvPr>
-        </p:nvSpPr>
-        <p:spPr/>
-        <p:txBody>
-          <a:bodyPr/>
-          <a:lstStyle/>
-          <a:p>
-            <a:fld id="{AAFEE2B6-961E-4B89-9AD2-30FAB594CE91}" type="slidenum">
-              <a:rPr lang="en-US" smtClean="0"/>
-              <a:t>13</a:t>
-            </a:fld>
-            <a:endParaRPr lang="en-US"/>
-          </a:p>
-        </p:txBody>
-      </p:sp>
-    </p:spTree>
-    <p:extLst>
-      <p:ext uri="{BB962C8B-B14F-4D97-AF65-F5344CB8AC3E}">
-        <p14:creationId xmlns:p14="http://schemas.microsoft.com/office/powerpoint/2010/main" val="2036861710"/>
       </p:ext>
     </p:extLst>
   </p:cSld>
@@ -2185,7 +2369,7 @@
           <a:p>
             <a:fld id="{2023E1CB-02FE-4B52-8CC6-FE219341CDC5}" type="datetimeFigureOut">
               <a:rPr lang="en-US" smtClean="0"/>
-              <a:t>9/27/19</a:t>
+              <a:t>10/4/19</a:t>
             </a:fld>
             <a:endParaRPr lang="en-US"/>
           </a:p>
@@ -2383,7 +2567,7 @@
           <a:p>
             <a:fld id="{2023E1CB-02FE-4B52-8CC6-FE219341CDC5}" type="datetimeFigureOut">
               <a:rPr lang="en-US" smtClean="0"/>
-              <a:t>9/27/19</a:t>
+              <a:t>10/4/19</a:t>
             </a:fld>
             <a:endParaRPr lang="en-US"/>
           </a:p>
@@ -2591,7 +2775,7 @@
           <a:p>
             <a:fld id="{2023E1CB-02FE-4B52-8CC6-FE219341CDC5}" type="datetimeFigureOut">
               <a:rPr lang="en-US" smtClean="0"/>
-              <a:t>9/27/19</a:t>
+              <a:t>10/4/19</a:t>
             </a:fld>
             <a:endParaRPr lang="en-US"/>
           </a:p>
@@ -2820,7 +3004,7 @@
           <a:p>
             <a:fld id="{2023E1CB-02FE-4B52-8CC6-FE219341CDC5}" type="datetimeFigureOut">
               <a:rPr lang="en-US" smtClean="0"/>
-              <a:t>9/27/19</a:t>
+              <a:t>10/4/19</a:t>
             </a:fld>
             <a:endParaRPr lang="en-US"/>
           </a:p>
@@ -3095,7 +3279,7 @@
           <a:p>
             <a:fld id="{2023E1CB-02FE-4B52-8CC6-FE219341CDC5}" type="datetimeFigureOut">
               <a:rPr lang="en-US" smtClean="0"/>
-              <a:t>9/27/19</a:t>
+              <a:t>10/4/19</a:t>
             </a:fld>
             <a:endParaRPr lang="en-US"/>
           </a:p>
@@ -3360,7 +3544,7 @@
           <a:p>
             <a:fld id="{2023E1CB-02FE-4B52-8CC6-FE219341CDC5}" type="datetimeFigureOut">
               <a:rPr lang="en-US" smtClean="0"/>
-              <a:t>9/27/19</a:t>
+              <a:t>10/4/19</a:t>
             </a:fld>
             <a:endParaRPr lang="en-US"/>
           </a:p>
@@ -3772,7 +3956,7 @@
           <a:p>
             <a:fld id="{C764DE79-268F-4C1A-8933-263129D2AF90}" type="datetimeFigureOut">
               <a:rPr lang="en-US" smtClean="0"/>
-              <a:t>9/27/19</a:t>
+              <a:t>10/4/19</a:t>
             </a:fld>
             <a:endParaRPr lang="en-US" dirty="0"/>
           </a:p>
@@ -3913,7 +4097,7 @@
           <a:p>
             <a:fld id="{2023E1CB-02FE-4B52-8CC6-FE219341CDC5}" type="datetimeFigureOut">
               <a:rPr lang="en-US" smtClean="0"/>
-              <a:t>9/27/19</a:t>
+              <a:t>10/4/19</a:t>
             </a:fld>
             <a:endParaRPr lang="en-US"/>
           </a:p>
@@ -4026,7 +4210,7 @@
           <a:p>
             <a:fld id="{2023E1CB-02FE-4B52-8CC6-FE219341CDC5}" type="datetimeFigureOut">
               <a:rPr lang="en-US" smtClean="0"/>
-              <a:t>9/27/19</a:t>
+              <a:t>10/4/19</a:t>
             </a:fld>
             <a:endParaRPr lang="en-US"/>
           </a:p>
@@ -4337,7 +4521,7 @@
           <a:p>
             <a:fld id="{2023E1CB-02FE-4B52-8CC6-FE219341CDC5}" type="datetimeFigureOut">
               <a:rPr lang="en-US" smtClean="0"/>
-              <a:t>9/27/19</a:t>
+              <a:t>10/4/19</a:t>
             </a:fld>
             <a:endParaRPr lang="en-US"/>
           </a:p>
@@ -4625,7 +4809,7 @@
           <a:p>
             <a:fld id="{C764DE79-268F-4C1A-8933-263129D2AF90}" type="datetimeFigureOut">
               <a:rPr lang="en-US" smtClean="0"/>
-              <a:t>9/27/19</a:t>
+              <a:t>10/4/19</a:t>
             </a:fld>
             <a:endParaRPr lang="en-US" dirty="0"/>
           </a:p>
@@ -4866,7 +5050,7 @@
           <a:p>
             <a:fld id="{C764DE79-268F-4C1A-8933-263129D2AF90}" type="datetimeFigureOut">
               <a:rPr lang="en-US" smtClean="0"/>
-              <a:t>9/27/19</a:t>
+              <a:t>10/4/19</a:t>
             </a:fld>
             <a:endParaRPr lang="en-US" dirty="0"/>
           </a:p>
@@ -5597,7 +5781,7 @@
           </a:ln>
           <a:extLst>
             <a:ext uri="{C572A759-6A51-4108-AA02-DFA0A04FC94B}">
-              <ma14:wrappingTextBoxFlag xmlns="" xmlns:ma14="http://schemas.microsoft.com/office/mac/drawingml/2011/main" val="1"/>
+              <ma14:wrappingTextBoxFlag xmlns:ma14="http://schemas.microsoft.com/office/mac/drawingml/2011/main" xmlns="" val="1"/>
             </a:ext>
           </a:extLst>
         </p:spPr>
@@ -5902,7 +6086,7 @@
           </a:ln>
           <a:extLst>
             <a:ext uri="{C572A759-6A51-4108-AA02-DFA0A04FC94B}">
-              <ma14:wrappingTextBoxFlag xmlns="" xmlns:ma14="http://schemas.microsoft.com/office/mac/drawingml/2011/main" val="1"/>
+              <ma14:wrappingTextBoxFlag xmlns:ma14="http://schemas.microsoft.com/office/mac/drawingml/2011/main" xmlns="" val="1"/>
             </a:ext>
           </a:extLst>
         </p:spPr>
@@ -5979,7 +6163,7 @@
           </a:ln>
           <a:extLst>
             <a:ext uri="{C572A759-6A51-4108-AA02-DFA0A04FC94B}">
-              <ma14:wrappingTextBoxFlag xmlns="" xmlns:ma14="http://schemas.microsoft.com/office/mac/drawingml/2011/main" val="1"/>
+              <ma14:wrappingTextBoxFlag xmlns:ma14="http://schemas.microsoft.com/office/mac/drawingml/2011/main" xmlns="" val="1"/>
             </a:ext>
           </a:extLst>
         </p:spPr>
@@ -6090,7 +6274,7 @@
           </a:ln>
           <a:extLst>
             <a:ext uri="{C572A759-6A51-4108-AA02-DFA0A04FC94B}">
-              <ma14:wrappingTextBoxFlag xmlns="" xmlns:ma14="http://schemas.microsoft.com/office/mac/drawingml/2011/main" val="1"/>
+              <ma14:wrappingTextBoxFlag xmlns:ma14="http://schemas.microsoft.com/office/mac/drawingml/2011/main" xmlns="" val="1"/>
             </a:ext>
           </a:extLst>
         </p:spPr>
@@ -6806,7 +6990,7 @@
           <a:effectLst/>
           <a:extLst>
             <a:ext uri="{C572A759-6A51-4108-AA02-DFA0A04FC94B}">
-              <ma14:wrappingTextBoxFlag xmlns="" xmlns:ma14="http://schemas.microsoft.com/office/mac/drawingml/2011/main" val="1"/>
+              <ma14:wrappingTextBoxFlag xmlns:ma14="http://schemas.microsoft.com/office/mac/drawingml/2011/main" xmlns="" val="1"/>
             </a:ext>
           </a:extLst>
         </p:spPr>
@@ -6865,7 +7049,7 @@
           <a:effectLst/>
           <a:extLst>
             <a:ext uri="{C572A759-6A51-4108-AA02-DFA0A04FC94B}">
-              <ma14:wrappingTextBoxFlag xmlns="" xmlns:ma14="http://schemas.microsoft.com/office/mac/drawingml/2011/main" val="1"/>
+              <ma14:wrappingTextBoxFlag xmlns:ma14="http://schemas.microsoft.com/office/mac/drawingml/2011/main" xmlns="" val="1"/>
             </a:ext>
           </a:extLst>
         </p:spPr>
@@ -6955,7 +7139,7 @@
           <a:effectLst/>
           <a:extLst>
             <a:ext uri="{C572A759-6A51-4108-AA02-DFA0A04FC94B}">
-              <ma14:wrappingTextBoxFlag xmlns="" xmlns:ma14="http://schemas.microsoft.com/office/mac/drawingml/2011/main" val="1"/>
+              <ma14:wrappingTextBoxFlag xmlns:ma14="http://schemas.microsoft.com/office/mac/drawingml/2011/main" xmlns="" val="1"/>
             </a:ext>
           </a:extLst>
         </p:spPr>
@@ -28781,7 +28965,7 @@
           </a:ln>
           <a:extLst>
             <a:ext uri="{C572A759-6A51-4108-AA02-DFA0A04FC94B}">
-              <ma14:wrappingTextBoxFlag xmlns="" xmlns:ma14="http://schemas.microsoft.com/office/mac/drawingml/2011/main" val="1"/>
+              <ma14:wrappingTextBoxFlag xmlns:ma14="http://schemas.microsoft.com/office/mac/drawingml/2011/main" xmlns="" val="1"/>
             </a:ext>
           </a:extLst>
         </p:spPr>
@@ -28855,7 +29039,7 @@
           </a:ln>
           <a:extLst>
             <a:ext uri="{C572A759-6A51-4108-AA02-DFA0A04FC94B}">
-              <ma14:wrappingTextBoxFlag xmlns="" xmlns:ma14="http://schemas.microsoft.com/office/mac/drawingml/2011/main" val="1"/>
+              <ma14:wrappingTextBoxFlag xmlns:ma14="http://schemas.microsoft.com/office/mac/drawingml/2011/main" xmlns="" val="1"/>
             </a:ext>
           </a:extLst>
         </p:spPr>
@@ -29273,10 +29457,10 @@
         </p:nvGrpSpPr>
         <p:grpSpPr>
           <a:xfrm>
-            <a:off x="2190945" y="3893949"/>
-            <a:ext cx="7208412" cy="2049646"/>
-            <a:chOff x="3649043" y="4350470"/>
-            <a:chExt cx="7208412" cy="2049646"/>
+            <a:off x="2160495" y="3893949"/>
+            <a:ext cx="7075356" cy="1489873"/>
+            <a:chOff x="3618593" y="4350470"/>
+            <a:chExt cx="7075356" cy="1489873"/>
           </a:xfrm>
         </p:grpSpPr>
         <p:sp>
@@ -29293,8 +29477,8 @@
           </p:nvSpPr>
           <p:spPr>
             <a:xfrm>
-              <a:off x="3649043" y="5459780"/>
-              <a:ext cx="1824538" cy="369332"/>
+              <a:off x="3618593" y="5459780"/>
+              <a:ext cx="1885453" cy="369332"/>
             </a:xfrm>
             <a:prstGeom prst="rect">
               <a:avLst/>
@@ -29317,8 +29501,29 @@
                   <a:latin typeface="Century Gothic" panose="020B0502020202020204" pitchFamily="34" charset="0"/>
                   <a:cs typeface="Arial" panose="020B0604020202020204" pitchFamily="34" charset="0"/>
                 </a:rPr>
-                <a:t>Technical Coach</a:t>
+                <a:t>Agile Delivery </a:t>
               </a:r>
+              <a:r>
+                <a:rPr lang="en-US" spc="-150" dirty="0" err="1">
+                  <a:solidFill>
+                    <a:schemeClr val="accent2">
+                      <a:lumMod val="75000"/>
+                    </a:schemeClr>
+                  </a:solidFill>
+                  <a:latin typeface="Century Gothic" panose="020B0502020202020204" pitchFamily="34" charset="0"/>
+                  <a:cs typeface="Arial" panose="020B0604020202020204" pitchFamily="34" charset="0"/>
+                </a:rPr>
+                <a:t>CoE</a:t>
+              </a:r>
+              <a:endParaRPr lang="en-US" spc="-150" dirty="0">
+                <a:solidFill>
+                  <a:schemeClr val="accent2">
+                    <a:lumMod val="75000"/>
+                  </a:schemeClr>
+                </a:solidFill>
+                <a:latin typeface="Century Gothic" panose="020B0502020202020204" pitchFamily="34" charset="0"/>
+                <a:cs typeface="Arial" panose="020B0604020202020204" pitchFamily="34" charset="0"/>
+              </a:endParaRPr>
             </a:p>
           </p:txBody>
         </p:sp>
@@ -29447,222 +29652,6 @@
                   <a:cs typeface="Arial" panose="020B0604020202020204" pitchFamily="34" charset="0"/>
                 </a:rPr>
                 <a:t>Adventurer</a:t>
-              </a:r>
-            </a:p>
-          </p:txBody>
-        </p:sp>
-        <p:sp>
-          <p:nvSpPr>
-            <p:cNvPr id="21" name="Rectangle 20">
-              <a:extLst>
-                <a:ext uri="{FF2B5EF4-FFF2-40B4-BE49-F238E27FC236}">
-                  <a16:creationId xmlns:a16="http://schemas.microsoft.com/office/drawing/2014/main" id="{5D634B13-9D47-0A42-92DA-3ECE006629BE}"/>
-                </a:ext>
-              </a:extLst>
-            </p:cNvPr>
-            <p:cNvSpPr/>
-            <p:nvPr/>
-          </p:nvSpPr>
-          <p:spPr>
-            <a:xfrm>
-              <a:off x="3725988" y="5927220"/>
-              <a:ext cx="1670650" cy="461665"/>
-            </a:xfrm>
-            <a:prstGeom prst="rect">
-              <a:avLst/>
-            </a:prstGeom>
-          </p:spPr>
-          <p:txBody>
-            <a:bodyPr wrap="none">
-              <a:spAutoFit/>
-            </a:bodyPr>
-            <a:lstStyle/>
-            <a:p>
-              <a:pPr algn="ctr"/>
-              <a:r>
-                <a:rPr lang="en-US" sz="1200" dirty="0">
-                  <a:solidFill>
-                    <a:schemeClr val="bg1"/>
-                  </a:solidFill>
-                  <a:latin typeface="Century Gothic" panose="020B0502020202020204" pitchFamily="34" charset="0"/>
-                  <a:cs typeface="Arial" panose="020B0604020202020204" pitchFamily="34" charset="0"/>
-                </a:rPr>
-                <a:t>IT Services </a:t>
-              </a:r>
-            </a:p>
-            <a:p>
-              <a:pPr algn="ctr"/>
-              <a:r>
-                <a:rPr lang="en-US" sz="1200" dirty="0">
-                  <a:solidFill>
-                    <a:schemeClr val="bg1"/>
-                  </a:solidFill>
-                  <a:latin typeface="Century Gothic" panose="020B0502020202020204" pitchFamily="34" charset="0"/>
-                  <a:cs typeface="Arial" panose="020B0604020202020204" pitchFamily="34" charset="0"/>
-                </a:rPr>
-                <a:t>Principal Consultant</a:t>
-              </a:r>
-            </a:p>
-          </p:txBody>
-        </p:sp>
-        <p:sp>
-          <p:nvSpPr>
-            <p:cNvPr id="22" name="Rectangle 21">
-              <a:extLst>
-                <a:ext uri="{FF2B5EF4-FFF2-40B4-BE49-F238E27FC236}">
-                  <a16:creationId xmlns:a16="http://schemas.microsoft.com/office/drawing/2014/main" id="{033EA28E-DFDC-824C-8CF7-B44EC29A6C28}"/>
-                </a:ext>
-              </a:extLst>
-            </p:cNvPr>
-            <p:cNvSpPr/>
-            <p:nvPr/>
-          </p:nvSpPr>
-          <p:spPr>
-            <a:xfrm>
-              <a:off x="5934465" y="5938451"/>
-              <a:ext cx="1212190" cy="461665"/>
-            </a:xfrm>
-            <a:prstGeom prst="rect">
-              <a:avLst/>
-            </a:prstGeom>
-          </p:spPr>
-          <p:txBody>
-            <a:bodyPr wrap="none">
-              <a:spAutoFit/>
-            </a:bodyPr>
-            <a:lstStyle/>
-            <a:p>
-              <a:pPr algn="ctr"/>
-              <a:r>
-                <a:rPr lang="en-US" sz="1200" dirty="0">
-                  <a:solidFill>
-                    <a:schemeClr val="bg1"/>
-                  </a:solidFill>
-                  <a:latin typeface="Century Gothic" panose="020B0502020202020204" pitchFamily="34" charset="0"/>
-                  <a:cs typeface="Arial" panose="020B0604020202020204" pitchFamily="34" charset="0"/>
-                </a:rPr>
-                <a:t>20+ years </a:t>
-              </a:r>
-            </a:p>
-            <a:p>
-              <a:pPr algn="ctr"/>
-              <a:r>
-                <a:rPr lang="en-US" sz="1200" dirty="0">
-                  <a:solidFill>
-                    <a:schemeClr val="bg1"/>
-                  </a:solidFill>
-                  <a:latin typeface="Century Gothic" panose="020B0502020202020204" pitchFamily="34" charset="0"/>
-                  <a:cs typeface="Arial" panose="020B0604020202020204" pitchFamily="34" charset="0"/>
-                </a:rPr>
-                <a:t>In the industry</a:t>
-              </a:r>
-            </a:p>
-          </p:txBody>
-        </p:sp>
-        <p:sp>
-          <p:nvSpPr>
-            <p:cNvPr id="23" name="Rectangle 22">
-              <a:extLst>
-                <a:ext uri="{FF2B5EF4-FFF2-40B4-BE49-F238E27FC236}">
-                  <a16:creationId xmlns:a16="http://schemas.microsoft.com/office/drawing/2014/main" id="{C465A33C-7EF2-4B4F-AA90-BB17BE2E3E97}"/>
-                </a:ext>
-              </a:extLst>
-            </p:cNvPr>
-            <p:cNvSpPr/>
-            <p:nvPr/>
-          </p:nvSpPr>
-          <p:spPr>
-            <a:xfrm>
-              <a:off x="7564569" y="5938451"/>
-              <a:ext cx="1398139" cy="461665"/>
-            </a:xfrm>
-            <a:prstGeom prst="rect">
-              <a:avLst/>
-            </a:prstGeom>
-          </p:spPr>
-          <p:txBody>
-            <a:bodyPr wrap="none">
-              <a:spAutoFit/>
-            </a:bodyPr>
-            <a:lstStyle/>
-            <a:p>
-              <a:pPr algn="ctr"/>
-              <a:r>
-                <a:rPr lang="en-US" sz="1200" dirty="0">
-                  <a:solidFill>
-                    <a:schemeClr val="bg1"/>
-                  </a:solidFill>
-                  <a:latin typeface="Century Gothic" panose="020B0502020202020204" pitchFamily="34" charset="0"/>
-                  <a:cs typeface="Arial" panose="020B0604020202020204" pitchFamily="34" charset="0"/>
-                </a:rPr>
-                <a:t>Licensed for kids</a:t>
-              </a:r>
-            </a:p>
-            <a:p>
-              <a:pPr algn="ctr"/>
-              <a:r>
-                <a:rPr lang="en-US" sz="1200" dirty="0">
-                  <a:solidFill>
-                    <a:schemeClr val="bg1"/>
-                  </a:solidFill>
-                  <a:latin typeface="Century Gothic" panose="020B0502020202020204" pitchFamily="34" charset="0"/>
-                  <a:cs typeface="Arial" panose="020B0604020202020204" pitchFamily="34" charset="0"/>
-                </a:rPr>
-                <a:t>U10 - U16</a:t>
-              </a:r>
-            </a:p>
-          </p:txBody>
-        </p:sp>
-        <p:sp>
-          <p:nvSpPr>
-            <p:cNvPr id="24" name="Rectangle 23">
-              <a:extLst>
-                <a:ext uri="{FF2B5EF4-FFF2-40B4-BE49-F238E27FC236}">
-                  <a16:creationId xmlns:a16="http://schemas.microsoft.com/office/drawing/2014/main" id="{163BFC40-0A55-484A-A013-C2ADF34B2389}"/>
-                </a:ext>
-              </a:extLst>
-            </p:cNvPr>
-            <p:cNvSpPr/>
-            <p:nvPr/>
-          </p:nvSpPr>
-          <p:spPr>
-            <a:xfrm>
-              <a:off x="9425653" y="5885336"/>
-              <a:ext cx="1431802" cy="461665"/>
-            </a:xfrm>
-            <a:prstGeom prst="rect">
-              <a:avLst/>
-            </a:prstGeom>
-          </p:spPr>
-          <p:txBody>
-            <a:bodyPr wrap="none">
-              <a:spAutoFit/>
-            </a:bodyPr>
-            <a:lstStyle/>
-            <a:p>
-              <a:pPr algn="ctr"/>
-              <a:r>
-                <a:rPr lang="en-US" sz="1200" dirty="0">
-                  <a:solidFill>
-                    <a:schemeClr val="bg1"/>
-                  </a:solidFill>
-                  <a:latin typeface="Century Gothic" panose="020B0502020202020204" pitchFamily="34" charset="0"/>
-                  <a:cs typeface="Arial" panose="020B0604020202020204" pitchFamily="34" charset="0"/>
-                </a:rPr>
-                <a:t>Meyers Briggs </a:t>
-              </a:r>
-            </a:p>
-            <a:p>
-              <a:pPr algn="ctr"/>
-              <a:r>
-                <a:rPr lang="en-US" sz="1200" dirty="0">
-                  <a:solidFill>
-                    <a:schemeClr val="bg1"/>
-                  </a:solidFill>
-                  <a:latin typeface="Century Gothic" panose="020B0502020202020204" pitchFamily="34" charset="0"/>
-                  <a:cs typeface="Arial" panose="020B0604020202020204" pitchFamily="34" charset="0"/>
-                </a:rPr>
-                <a:t>abbreviated test</a:t>
               </a:r>
             </a:p>
           </p:txBody>
@@ -29826,8 +29815,8 @@
         </p:nvSpPr>
         <p:spPr>
           <a:xfrm>
-            <a:off x="2267890" y="5412121"/>
-            <a:ext cx="1670650" cy="461665"/>
+            <a:off x="2618947" y="5412121"/>
+            <a:ext cx="968535" cy="461665"/>
           </a:xfrm>
           <a:prstGeom prst="rect">
             <a:avLst/>
@@ -29855,7 +29844,7 @@
                 <a:latin typeface="Century Gothic" panose="020B0502020202020204" pitchFamily="34" charset="0"/>
                 <a:cs typeface="Arial" panose="020B0604020202020204" pitchFamily="34" charset="0"/>
               </a:rPr>
-              <a:t>Principal Consultant</a:t>
+              <a:t>Director</a:t>
             </a:r>
           </a:p>
         </p:txBody>
@@ -29874,7 +29863,7 @@
         </p:nvSpPr>
         <p:spPr>
           <a:xfrm>
-            <a:off x="4476367" y="5423352"/>
+            <a:off x="4463540" y="5450297"/>
             <a:ext cx="1212190" cy="461665"/>
           </a:xfrm>
           <a:prstGeom prst="rect">
@@ -29922,7 +29911,7 @@
         </p:nvSpPr>
         <p:spPr>
           <a:xfrm>
-            <a:off x="6106471" y="5423352"/>
+            <a:off x="6061356" y="5450297"/>
             <a:ext cx="1398139" cy="461665"/>
           </a:xfrm>
           <a:prstGeom prst="rect">
@@ -29970,7 +29959,7 @@
         </p:nvSpPr>
         <p:spPr>
           <a:xfrm>
-            <a:off x="7967555" y="5370237"/>
+            <a:off x="7958498" y="5450296"/>
             <a:ext cx="1431802" cy="461665"/>
           </a:xfrm>
           <a:prstGeom prst="rect">
@@ -33368,8 +33357,8 @@
         </p:nvSpPr>
         <p:spPr>
           <a:xfrm>
-            <a:off x="518985" y="1545565"/>
-            <a:ext cx="6125656" cy="4524315"/>
+            <a:off x="505130" y="2002765"/>
+            <a:ext cx="6125656" cy="3046988"/>
           </a:xfrm>
           <a:prstGeom prst="rect">
             <a:avLst/>
@@ -33384,7 +33373,7 @@
           <a:p>
             <a:pPr algn="ctr"/>
             <a:r>
-              <a:rPr lang="en-US" sz="2400" dirty="0">
+              <a:rPr lang="en-US" sz="2400" b="1" dirty="0">
                 <a:solidFill>
                   <a:schemeClr val="tx2">
                     <a:lumMod val="50000"/>
@@ -33393,8 +33382,23 @@
                 <a:latin typeface="Arial" panose="020B0604020202020204" pitchFamily="34" charset="0"/>
                 <a:cs typeface="Arial" panose="020B0604020202020204" pitchFamily="34" charset="0"/>
               </a:rPr>
-              <a:t>Estimation is hard. For software developers, its among the </a:t>
+              <a:t>Most difficult – if not the most difficult – aspects of the job. </a:t>
             </a:r>
+          </a:p>
+          <a:p>
+            <a:pPr algn="ctr"/>
+            <a:endParaRPr lang="en-US" sz="2400" b="1" dirty="0">
+              <a:solidFill>
+                <a:schemeClr val="tx2">
+                  <a:lumMod val="50000"/>
+                </a:schemeClr>
+              </a:solidFill>
+              <a:latin typeface="Arial" panose="020B0604020202020204" pitchFamily="34" charset="0"/>
+              <a:cs typeface="Arial" panose="020B0604020202020204" pitchFamily="34" charset="0"/>
+            </a:endParaRPr>
+          </a:p>
+          <a:p>
+            <a:pPr algn="ctr"/>
             <a:r>
               <a:rPr lang="en-US" sz="2400" b="1" dirty="0">
                 <a:solidFill>
@@ -33405,44 +33409,23 @@
                 <a:latin typeface="Arial" panose="020B0604020202020204" pitchFamily="34" charset="0"/>
                 <a:cs typeface="Arial" panose="020B0604020202020204" pitchFamily="34" charset="0"/>
               </a:rPr>
-              <a:t>most difficult – if not the most difficult – aspects of the job. </a:t>
+              <a:t>Slew of factors that help product owners make decisions </a:t>
             </a:r>
-            <a:r>
-              <a:rPr lang="en-US" sz="2400" dirty="0">
-                <a:solidFill>
-                  <a:schemeClr val="tx2">
-                    <a:lumMod val="50000"/>
-                  </a:schemeClr>
-                </a:solidFill>
-                <a:latin typeface="Arial" panose="020B0604020202020204" pitchFamily="34" charset="0"/>
-                <a:cs typeface="Arial" panose="020B0604020202020204" pitchFamily="34" charset="0"/>
-              </a:rPr>
-              <a:t>It must take into account a </a:t>
-            </a:r>
-            <a:r>
-              <a:rPr lang="en-US" sz="2400" b="1" dirty="0">
-                <a:solidFill>
-                  <a:schemeClr val="tx2">
-                    <a:lumMod val="50000"/>
-                  </a:schemeClr>
-                </a:solidFill>
-                <a:latin typeface="Arial" panose="020B0604020202020204" pitchFamily="34" charset="0"/>
-                <a:cs typeface="Arial" panose="020B0604020202020204" pitchFamily="34" charset="0"/>
-              </a:rPr>
-              <a:t>slew of factors that help product owners make decisions </a:t>
-            </a:r>
-            <a:r>
-              <a:rPr lang="en-US" sz="2400" dirty="0">
-                <a:solidFill>
-                  <a:schemeClr val="tx2">
-                    <a:lumMod val="50000"/>
-                  </a:schemeClr>
-                </a:solidFill>
-                <a:latin typeface="Arial" panose="020B0604020202020204" pitchFamily="34" charset="0"/>
-                <a:cs typeface="Arial" panose="020B0604020202020204" pitchFamily="34" charset="0"/>
-              </a:rPr>
-              <a:t>that affect the entire team – and the business. With all that at stake, it’s no wonder everyone from developers to upper management is prone to getting their undies in a bunch about it. But that’s a mistake. </a:t>
-            </a:r>
+          </a:p>
+          <a:p>
+            <a:pPr algn="ctr"/>
+            <a:endParaRPr lang="en-US" sz="2400" b="1" dirty="0">
+              <a:solidFill>
+                <a:schemeClr val="tx2">
+                  <a:lumMod val="50000"/>
+                </a:schemeClr>
+              </a:solidFill>
+              <a:latin typeface="Arial" panose="020B0604020202020204" pitchFamily="34" charset="0"/>
+              <a:cs typeface="Arial" panose="020B0604020202020204" pitchFamily="34" charset="0"/>
+            </a:endParaRPr>
+          </a:p>
+          <a:p>
+            <a:pPr algn="ctr"/>
             <a:r>
               <a:rPr lang="en-US" sz="2400" b="1" dirty="0">
                 <a:solidFill>
@@ -33482,7 +33465,7 @@
           <p:nvPr/>
         </p:nvPicPr>
         <p:blipFill>
-          <a:blip r:embed="rId2">
+          <a:blip r:embed="rId3">
             <a:extLst>
               <a:ext uri="{28A0092B-C50C-407E-A947-70E740481C1C}">
                 <a14:useLocalDpi xmlns:a14="http://schemas.microsoft.com/office/drawing/2010/main" val="0"/>
